--- a/PPT/PPT【正点原子】手把手教你学STM32 HAL库（全系列）/2. 入门篇/34，IIC/3，光环境传感器实验/课件/光环境传感器实验.pptx
+++ b/PPT/PPT【正点原子】手把手教你学STM32 HAL库（全系列）/2. 入门篇/34，IIC/3，光环境传感器实验/课件/光环境传感器实验.pptx
@@ -234,7 +234,7 @@
           <a:p>
             <a:fld id="{993C5A9D-A8F4-49A0-AA9A-D189446553F8}" type="datetimeFigureOut">
               <a:rPr lang="zh-CN" altLang="en-US" smtClean="0"/>
-              <a:t>2023/2/23</a:t>
+              <a:t>2024/1/19</a:t>
             </a:fld>
             <a:endParaRPr lang="zh-CN" altLang="en-US"/>
           </a:p>
@@ -1236,7 +1236,7 @@
           <a:p>
             <a:fld id="{B2254D0E-B397-44A9-9DEC-6D5F0C511797}" type="datetimeFigureOut">
               <a:rPr lang="zh-CN" altLang="en-US" smtClean="0"/>
-              <a:t>2023/2/23</a:t>
+              <a:t>2024/1/19</a:t>
             </a:fld>
             <a:endParaRPr lang="zh-CN" altLang="en-US"/>
           </a:p>
@@ -1401,7 +1401,7 @@
           <a:p>
             <a:fld id="{B2254D0E-B397-44A9-9DEC-6D5F0C511797}" type="datetimeFigureOut">
               <a:rPr lang="zh-CN" altLang="en-US" smtClean="0"/>
-              <a:t>2023/2/23</a:t>
+              <a:t>2024/1/19</a:t>
             </a:fld>
             <a:endParaRPr lang="zh-CN" altLang="en-US"/>
           </a:p>
@@ -1576,7 +1576,7 @@
           <a:p>
             <a:fld id="{B2254D0E-B397-44A9-9DEC-6D5F0C511797}" type="datetimeFigureOut">
               <a:rPr lang="zh-CN" altLang="en-US" smtClean="0"/>
-              <a:t>2023/2/23</a:t>
+              <a:t>2024/1/19</a:t>
             </a:fld>
             <a:endParaRPr lang="zh-CN" altLang="en-US"/>
           </a:p>
@@ -1741,7 +1741,7 @@
           <a:p>
             <a:fld id="{B2254D0E-B397-44A9-9DEC-6D5F0C511797}" type="datetimeFigureOut">
               <a:rPr lang="zh-CN" altLang="en-US" smtClean="0"/>
-              <a:t>2023/2/23</a:t>
+              <a:t>2024/1/19</a:t>
             </a:fld>
             <a:endParaRPr lang="zh-CN" altLang="en-US"/>
           </a:p>
@@ -1982,7 +1982,7 @@
           <a:p>
             <a:fld id="{B2254D0E-B397-44A9-9DEC-6D5F0C511797}" type="datetimeFigureOut">
               <a:rPr lang="zh-CN" altLang="en-US" smtClean="0"/>
-              <a:t>2023/2/23</a:t>
+              <a:t>2024/1/19</a:t>
             </a:fld>
             <a:endParaRPr lang="zh-CN" altLang="en-US"/>
           </a:p>
@@ -2209,7 +2209,7 @@
           <a:p>
             <a:fld id="{B2254D0E-B397-44A9-9DEC-6D5F0C511797}" type="datetimeFigureOut">
               <a:rPr lang="zh-CN" altLang="en-US" smtClean="0"/>
-              <a:t>2023/2/23</a:t>
+              <a:t>2024/1/19</a:t>
             </a:fld>
             <a:endParaRPr lang="zh-CN" altLang="en-US"/>
           </a:p>
@@ -2571,7 +2571,7 @@
           <a:p>
             <a:fld id="{B2254D0E-B397-44A9-9DEC-6D5F0C511797}" type="datetimeFigureOut">
               <a:rPr lang="zh-CN" altLang="en-US" smtClean="0"/>
-              <a:t>2023/2/23</a:t>
+              <a:t>2024/1/19</a:t>
             </a:fld>
             <a:endParaRPr lang="zh-CN" altLang="en-US"/>
           </a:p>
@@ -2684,7 +2684,7 @@
           <a:p>
             <a:fld id="{B2254D0E-B397-44A9-9DEC-6D5F0C511797}" type="datetimeFigureOut">
               <a:rPr lang="zh-CN" altLang="en-US" smtClean="0"/>
-              <a:t>2023/2/23</a:t>
+              <a:t>2024/1/19</a:t>
             </a:fld>
             <a:endParaRPr lang="zh-CN" altLang="en-US"/>
           </a:p>
@@ -2774,7 +2774,7 @@
           <a:p>
             <a:fld id="{B2254D0E-B397-44A9-9DEC-6D5F0C511797}" type="datetimeFigureOut">
               <a:rPr lang="zh-CN" altLang="en-US" smtClean="0"/>
-              <a:t>2023/2/23</a:t>
+              <a:t>2024/1/19</a:t>
             </a:fld>
             <a:endParaRPr lang="zh-CN" altLang="en-US"/>
           </a:p>
@@ -3046,7 +3046,7 @@
           <a:p>
             <a:fld id="{B2254D0E-B397-44A9-9DEC-6D5F0C511797}" type="datetimeFigureOut">
               <a:rPr lang="zh-CN" altLang="en-US" smtClean="0"/>
-              <a:t>2023/2/23</a:t>
+              <a:t>2024/1/19</a:t>
             </a:fld>
             <a:endParaRPr lang="zh-CN" altLang="en-US"/>
           </a:p>
@@ -3298,7 +3298,7 @@
           <a:p>
             <a:fld id="{B2254D0E-B397-44A9-9DEC-6D5F0C511797}" type="datetimeFigureOut">
               <a:rPr lang="zh-CN" altLang="en-US" smtClean="0"/>
-              <a:t>2023/2/23</a:t>
+              <a:t>2024/1/19</a:t>
             </a:fld>
             <a:endParaRPr lang="zh-CN" altLang="en-US"/>
           </a:p>
@@ -3506,7 +3506,7 @@
           <a:p>
             <a:fld id="{B2254D0E-B397-44A9-9DEC-6D5F0C511797}" type="datetimeFigureOut">
               <a:rPr lang="zh-CN" altLang="en-US" smtClean="0"/>
-              <a:t>2023/2/23</a:t>
+              <a:t>2024/1/19</a:t>
             </a:fld>
             <a:endParaRPr lang="zh-CN" altLang="en-US"/>
           </a:p>
@@ -21852,7 +21852,7 @@
         </p:nvGraphicFramePr>
         <p:xfrm>
           <a:off x="264532" y="1408355"/>
-          <a:ext cx="6300000" cy="3338851"/>
+          <a:ext cx="6300000" cy="3687576"/>
         </p:xfrm>
         <a:graphic>
           <a:graphicData uri="http://schemas.openxmlformats.org/drawingml/2006/table">
@@ -33933,7 +33933,7 @@
         </p:nvSpPr>
         <p:spPr>
           <a:xfrm>
-            <a:off x="1350091" y="2513458"/>
+            <a:off x="1351458" y="2157375"/>
             <a:ext cx="751759" cy="197991"/>
           </a:xfrm>
           <a:prstGeom prst="rect">
@@ -33985,7 +33985,7 @@
         </p:nvSpPr>
         <p:spPr>
           <a:xfrm>
-            <a:off x="1353266" y="4342353"/>
+            <a:off x="1351457" y="4496689"/>
             <a:ext cx="751759" cy="197991"/>
           </a:xfrm>
           <a:prstGeom prst="rect">
@@ -34037,7 +34037,7 @@
         </p:nvSpPr>
         <p:spPr>
           <a:xfrm>
-            <a:off x="1351459" y="3734117"/>
+            <a:off x="1351458" y="3876046"/>
             <a:ext cx="751759" cy="197991"/>
           </a:xfrm>
           <a:prstGeom prst="rect">
@@ -34176,27 +34176,27 @@
           <a:p>
             <a:pPr algn="ctr"/>
             <a:r>
-              <a:rPr lang="en-US" altLang="zh-CN" sz="1600" dirty="0">
+              <a:rPr lang="en-US" altLang="zh-CN" sz="1400" dirty="0">
                 <a:latin typeface="思源黑体 CN Normal" panose="020B0400000000000000" pitchFamily="34" charset="-122"/>
                 <a:ea typeface="思源黑体 CN Normal" panose="020B0400000000000000" pitchFamily="34" charset="-122"/>
               </a:rPr>
               <a:t>0x01</a:t>
             </a:r>
             <a:r>
-              <a:rPr lang="zh-CN" altLang="en-US" sz="1600" dirty="0">
+              <a:rPr lang="zh-CN" altLang="en-US" sz="1400" dirty="0">
                 <a:latin typeface="思源黑体 CN Normal" panose="020B0400000000000000" pitchFamily="34" charset="-122"/>
                 <a:ea typeface="思源黑体 CN Normal" panose="020B0400000000000000" pitchFamily="34" charset="-122"/>
               </a:rPr>
               <a:t>和</a:t>
             </a:r>
             <a:r>
-              <a:rPr lang="en-US" altLang="zh-CN" sz="1600" dirty="0">
+              <a:rPr lang="en-US" altLang="zh-CN" sz="1400" dirty="0">
                 <a:latin typeface="思源黑体 CN Normal" panose="020B0400000000000000" pitchFamily="34" charset="-122"/>
                 <a:ea typeface="思源黑体 CN Normal" panose="020B0400000000000000" pitchFamily="34" charset="-122"/>
               </a:rPr>
               <a:t>0x02</a:t>
             </a:r>
-            <a:endParaRPr lang="zh-CN" altLang="en-US" sz="1600" dirty="0">
+            <a:endParaRPr lang="zh-CN" altLang="en-US" sz="1400" dirty="0">
               <a:latin typeface="思源黑体 CN Normal" panose="020B0400000000000000" pitchFamily="34" charset="-122"/>
               <a:ea typeface="思源黑体 CN Normal" panose="020B0400000000000000" pitchFamily="34" charset="-122"/>
             </a:endParaRPr>
